--- a/0. 수업 소개.pptx
+++ b/0. 수업 소개.pptx
@@ -279,7 +279,7 @@
           <a:p>
             <a:fld id="{677507D8-D4A6-4199-95F8-A88CEE2E987D}" type="datetimeFigureOut">
               <a:rPr lang="ko-KR" altLang="en-US" smtClean="0"/>
-              <a:t>2024-05-21</a:t>
+              <a:t>2024-05-23</a:t>
             </a:fld>
             <a:endParaRPr lang="ko-KR" altLang="en-US"/>
           </a:p>
@@ -477,7 +477,7 @@
           <a:p>
             <a:fld id="{677507D8-D4A6-4199-95F8-A88CEE2E987D}" type="datetimeFigureOut">
               <a:rPr lang="ko-KR" altLang="en-US" smtClean="0"/>
-              <a:t>2024-05-21</a:t>
+              <a:t>2024-05-23</a:t>
             </a:fld>
             <a:endParaRPr lang="ko-KR" altLang="en-US"/>
           </a:p>
@@ -685,7 +685,7 @@
           <a:p>
             <a:fld id="{677507D8-D4A6-4199-95F8-A88CEE2E987D}" type="datetimeFigureOut">
               <a:rPr lang="ko-KR" altLang="en-US" smtClean="0"/>
-              <a:t>2024-05-21</a:t>
+              <a:t>2024-05-23</a:t>
             </a:fld>
             <a:endParaRPr lang="ko-KR" altLang="en-US"/>
           </a:p>
@@ -883,7 +883,7 @@
           <a:p>
             <a:fld id="{677507D8-D4A6-4199-95F8-A88CEE2E987D}" type="datetimeFigureOut">
               <a:rPr lang="ko-KR" altLang="en-US" smtClean="0"/>
-              <a:t>2024-05-21</a:t>
+              <a:t>2024-05-23</a:t>
             </a:fld>
             <a:endParaRPr lang="ko-KR" altLang="en-US"/>
           </a:p>
@@ -1158,7 +1158,7 @@
           <a:p>
             <a:fld id="{677507D8-D4A6-4199-95F8-A88CEE2E987D}" type="datetimeFigureOut">
               <a:rPr lang="ko-KR" altLang="en-US" smtClean="0"/>
-              <a:t>2024-05-21</a:t>
+              <a:t>2024-05-23</a:t>
             </a:fld>
             <a:endParaRPr lang="ko-KR" altLang="en-US"/>
           </a:p>
@@ -1423,7 +1423,7 @@
           <a:p>
             <a:fld id="{677507D8-D4A6-4199-95F8-A88CEE2E987D}" type="datetimeFigureOut">
               <a:rPr lang="ko-KR" altLang="en-US" smtClean="0"/>
-              <a:t>2024-05-21</a:t>
+              <a:t>2024-05-23</a:t>
             </a:fld>
             <a:endParaRPr lang="ko-KR" altLang="en-US"/>
           </a:p>
@@ -1835,7 +1835,7 @@
           <a:p>
             <a:fld id="{677507D8-D4A6-4199-95F8-A88CEE2E987D}" type="datetimeFigureOut">
               <a:rPr lang="ko-KR" altLang="en-US" smtClean="0"/>
-              <a:t>2024-05-21</a:t>
+              <a:t>2024-05-23</a:t>
             </a:fld>
             <a:endParaRPr lang="ko-KR" altLang="en-US"/>
           </a:p>
@@ -1976,7 +1976,7 @@
           <a:p>
             <a:fld id="{677507D8-D4A6-4199-95F8-A88CEE2E987D}" type="datetimeFigureOut">
               <a:rPr lang="ko-KR" altLang="en-US" smtClean="0"/>
-              <a:t>2024-05-21</a:t>
+              <a:t>2024-05-23</a:t>
             </a:fld>
             <a:endParaRPr lang="ko-KR" altLang="en-US"/>
           </a:p>
@@ -2089,7 +2089,7 @@
           <a:p>
             <a:fld id="{677507D8-D4A6-4199-95F8-A88CEE2E987D}" type="datetimeFigureOut">
               <a:rPr lang="ko-KR" altLang="en-US" smtClean="0"/>
-              <a:t>2024-05-21</a:t>
+              <a:t>2024-05-23</a:t>
             </a:fld>
             <a:endParaRPr lang="ko-KR" altLang="en-US"/>
           </a:p>
@@ -2400,7 +2400,7 @@
           <a:p>
             <a:fld id="{677507D8-D4A6-4199-95F8-A88CEE2E987D}" type="datetimeFigureOut">
               <a:rPr lang="ko-KR" altLang="en-US" smtClean="0"/>
-              <a:t>2024-05-21</a:t>
+              <a:t>2024-05-23</a:t>
             </a:fld>
             <a:endParaRPr lang="ko-KR" altLang="en-US"/>
           </a:p>
@@ -2688,7 +2688,7 @@
           <a:p>
             <a:fld id="{677507D8-D4A6-4199-95F8-A88CEE2E987D}" type="datetimeFigureOut">
               <a:rPr lang="ko-KR" altLang="en-US" smtClean="0"/>
-              <a:t>2024-05-21</a:t>
+              <a:t>2024-05-23</a:t>
             </a:fld>
             <a:endParaRPr lang="ko-KR" altLang="en-US"/>
           </a:p>
@@ -2929,7 +2929,7 @@
           <a:p>
             <a:fld id="{677507D8-D4A6-4199-95F8-A88CEE2E987D}" type="datetimeFigureOut">
               <a:rPr lang="ko-KR" altLang="en-US" smtClean="0"/>
-              <a:t>2024-05-21</a:t>
+              <a:t>2024-05-23</a:t>
             </a:fld>
             <a:endParaRPr lang="ko-KR" altLang="en-US"/>
           </a:p>
